--- a/1023Report/1023_결과보고 - Copy.pptx
+++ b/1023Report/1023_결과보고 - Copy.pptx
@@ -5,21 +5,11 @@
     <p:sldMasterId id="2147483648" r:id="rId1"/>
   </p:sldMasterIdLst>
   <p:handoutMasterIdLst>
-    <p:handoutMasterId r:id="rId14"/>
+    <p:handoutMasterId r:id="rId4"/>
   </p:handoutMasterIdLst>
   <p:sldIdLst>
     <p:sldId id="262" r:id="rId2"/>
-    <p:sldId id="334" r:id="rId3"/>
-    <p:sldId id="326" r:id="rId4"/>
-    <p:sldId id="327" r:id="rId5"/>
-    <p:sldId id="328" r:id="rId6"/>
-    <p:sldId id="335" r:id="rId7"/>
-    <p:sldId id="329" r:id="rId8"/>
-    <p:sldId id="330" r:id="rId9"/>
-    <p:sldId id="331" r:id="rId10"/>
-    <p:sldId id="332" r:id="rId11"/>
-    <p:sldId id="333" r:id="rId12"/>
-    <p:sldId id="324" r:id="rId13"/>
+    <p:sldId id="324" r:id="rId3"/>
   </p:sldIdLst>
   <p:sldSz cx="12192000" cy="6858000"/>
   <p:notesSz cx="6858000" cy="9144000"/>
@@ -223,7 +213,7 @@
           <a:p>
             <a:fld id="{265A5232-C53E-4F47-9B1D-10DC02294D1A}" type="datetimeFigureOut">
               <a:rPr lang="en-US" smtClean="0"/>
-              <a:t>10/23/2023</a:t>
+              <a:t>10/26/2023</a:t>
             </a:fld>
             <a:endParaRPr lang="en-US"/>
           </a:p>
@@ -473,7 +463,7 @@
           <a:p>
             <a:fld id="{F0AD61EE-A626-44D1-8BBF-C441989EBD45}" type="datetimeFigureOut">
               <a:rPr lang="ko-KR" altLang="en-US" smtClean="0"/>
-              <a:t>2023-10-23</a:t>
+              <a:t>2023-10-26</a:t>
             </a:fld>
             <a:endParaRPr lang="ko-KR" altLang="en-US"/>
           </a:p>
@@ -671,7 +661,7 @@
           <a:p>
             <a:fld id="{F0AD61EE-A626-44D1-8BBF-C441989EBD45}" type="datetimeFigureOut">
               <a:rPr lang="ko-KR" altLang="en-US" smtClean="0"/>
-              <a:t>2023-10-23</a:t>
+              <a:t>2023-10-26</a:t>
             </a:fld>
             <a:endParaRPr lang="ko-KR" altLang="en-US"/>
           </a:p>
@@ -879,7 +869,7 @@
           <a:p>
             <a:fld id="{F0AD61EE-A626-44D1-8BBF-C441989EBD45}" type="datetimeFigureOut">
               <a:rPr lang="ko-KR" altLang="en-US" smtClean="0"/>
-              <a:t>2023-10-23</a:t>
+              <a:t>2023-10-26</a:t>
             </a:fld>
             <a:endParaRPr lang="ko-KR" altLang="en-US"/>
           </a:p>
@@ -1121,7 +1111,7 @@
           <a:p>
             <a:fld id="{F0AD61EE-A626-44D1-8BBF-C441989EBD45}" type="datetimeFigureOut">
               <a:rPr lang="ko-KR" altLang="en-US" smtClean="0"/>
-              <a:t>2023-10-23</a:t>
+              <a:t>2023-10-26</a:t>
             </a:fld>
             <a:endParaRPr lang="ko-KR" altLang="en-US"/>
           </a:p>
@@ -1437,7 +1427,7 @@
           <a:p>
             <a:fld id="{F0AD61EE-A626-44D1-8BBF-C441989EBD45}" type="datetimeFigureOut">
               <a:rPr lang="ko-KR" altLang="en-US" smtClean="0"/>
-              <a:t>2023-10-23</a:t>
+              <a:t>2023-10-26</a:t>
             </a:fld>
             <a:endParaRPr lang="ko-KR" altLang="en-US"/>
           </a:p>
@@ -1743,7 +1733,7 @@
           <a:p>
             <a:fld id="{F0AD61EE-A626-44D1-8BBF-C441989EBD45}" type="datetimeFigureOut">
               <a:rPr lang="ko-KR" altLang="en-US" smtClean="0"/>
-              <a:t>2023-10-23</a:t>
+              <a:t>2023-10-26</a:t>
             </a:fld>
             <a:endParaRPr lang="ko-KR" altLang="en-US"/>
           </a:p>
@@ -2155,7 +2145,7 @@
           <a:p>
             <a:fld id="{F0AD61EE-A626-44D1-8BBF-C441989EBD45}" type="datetimeFigureOut">
               <a:rPr lang="ko-KR" altLang="en-US" smtClean="0"/>
-              <a:t>2023-10-23</a:t>
+              <a:t>2023-10-26</a:t>
             </a:fld>
             <a:endParaRPr lang="ko-KR" altLang="en-US"/>
           </a:p>
@@ -2296,7 +2286,7 @@
           <a:p>
             <a:fld id="{F0AD61EE-A626-44D1-8BBF-C441989EBD45}" type="datetimeFigureOut">
               <a:rPr lang="ko-KR" altLang="en-US" smtClean="0"/>
-              <a:t>2023-10-23</a:t>
+              <a:t>2023-10-26</a:t>
             </a:fld>
             <a:endParaRPr lang="ko-KR" altLang="en-US"/>
           </a:p>
@@ -2409,7 +2399,7 @@
           <a:p>
             <a:fld id="{F0AD61EE-A626-44D1-8BBF-C441989EBD45}" type="datetimeFigureOut">
               <a:rPr lang="ko-KR" altLang="en-US" smtClean="0"/>
-              <a:t>2023-10-23</a:t>
+              <a:t>2023-10-26</a:t>
             </a:fld>
             <a:endParaRPr lang="ko-KR" altLang="en-US"/>
           </a:p>
@@ -2720,7 +2710,7 @@
           <a:p>
             <a:fld id="{F0AD61EE-A626-44D1-8BBF-C441989EBD45}" type="datetimeFigureOut">
               <a:rPr lang="ko-KR" altLang="en-US" smtClean="0"/>
-              <a:t>2023-10-23</a:t>
+              <a:t>2023-10-26</a:t>
             </a:fld>
             <a:endParaRPr lang="ko-KR" altLang="en-US"/>
           </a:p>
@@ -3008,7 +2998,7 @@
           <a:p>
             <a:fld id="{F0AD61EE-A626-44D1-8BBF-C441989EBD45}" type="datetimeFigureOut">
               <a:rPr lang="ko-KR" altLang="en-US" smtClean="0"/>
-              <a:t>2023-10-23</a:t>
+              <a:t>2023-10-26</a:t>
             </a:fld>
             <a:endParaRPr lang="ko-KR" altLang="en-US"/>
           </a:p>
@@ -3249,7 +3239,7 @@
           <a:p>
             <a:fld id="{F0AD61EE-A626-44D1-8BBF-C441989EBD45}" type="datetimeFigureOut">
               <a:rPr lang="ko-KR" altLang="en-US" smtClean="0"/>
-              <a:t>2023-10-23</a:t>
+              <a:t>2023-10-26</a:t>
             </a:fld>
             <a:endParaRPr lang="ko-KR" altLang="en-US"/>
           </a:p>
@@ -3752,325 +3742,6 @@
 </p:sld>
 </file>
 
-<file path=ppt/slides/slide10.xml><?xml version="1.0" encoding="utf-8"?>
-<p:sld xmlns:a="http://schemas.openxmlformats.org/drawingml/2006/main" xmlns:r="http://schemas.openxmlformats.org/officeDocument/2006/relationships" xmlns:p="http://schemas.openxmlformats.org/presentationml/2006/main">
-  <p:cSld>
-    <p:spTree>
-      <p:nvGrpSpPr>
-        <p:cNvPr id="1" name=""/>
-        <p:cNvGrpSpPr/>
-        <p:nvPr/>
-      </p:nvGrpSpPr>
-      <p:grpSpPr>
-        <a:xfrm>
-          <a:off x="0" y="0"/>
-          <a:ext cx="0" cy="0"/>
-          <a:chOff x="0" y="0"/>
-          <a:chExt cx="0" cy="0"/>
-        </a:xfrm>
-      </p:grpSpPr>
-      <p:sp>
-        <p:nvSpPr>
-          <p:cNvPr id="2" name="제목 1">
-            <a:extLst>
-              <a:ext uri="{FF2B5EF4-FFF2-40B4-BE49-F238E27FC236}">
-                <a16:creationId xmlns:a16="http://schemas.microsoft.com/office/drawing/2014/main" id="{89A1722E-8587-5118-0CE2-8BE4FC5F5C32}"/>
-              </a:ext>
-            </a:extLst>
-          </p:cNvPr>
-          <p:cNvSpPr>
-            <a:spLocks noGrp="1"/>
-          </p:cNvSpPr>
-          <p:nvPr>
-            <p:ph type="title"/>
-          </p:nvPr>
-        </p:nvSpPr>
-        <p:spPr/>
-        <p:txBody>
-          <a:bodyPr/>
-          <a:lstStyle/>
-          <a:p>
-            <a:r>
-              <a:rPr lang="en-US" altLang="ko-KR" dirty="0"/>
-              <a:t>IPG vs MPC</a:t>
-            </a:r>
-            <a:endParaRPr lang="ko-KR" altLang="en-US" dirty="0"/>
-          </a:p>
-        </p:txBody>
-      </p:sp>
-      <p:pic>
-        <p:nvPicPr>
-          <p:cNvPr id="5" name="내용 개체 틀 4">
-            <a:extLst>
-              <a:ext uri="{FF2B5EF4-FFF2-40B4-BE49-F238E27FC236}">
-                <a16:creationId xmlns:a16="http://schemas.microsoft.com/office/drawing/2014/main" id="{F708520B-9EB7-F32D-2141-431D3A6DC86D}"/>
-              </a:ext>
-            </a:extLst>
-          </p:cNvPr>
-          <p:cNvPicPr>
-            <a:picLocks noGrp="1" noChangeAspect="1"/>
-          </p:cNvPicPr>
-          <p:nvPr>
-            <p:ph idx="1"/>
-          </p:nvPr>
-        </p:nvPicPr>
-        <p:blipFill>
-          <a:blip r:embed="rId2"/>
-          <a:stretch>
-            <a:fillRect/>
-          </a:stretch>
-        </p:blipFill>
-        <p:spPr>
-          <a:xfrm>
-            <a:off x="2117634" y="1825625"/>
-            <a:ext cx="7956732" cy="4351338"/>
-          </a:xfrm>
-        </p:spPr>
-      </p:pic>
-    </p:spTree>
-    <p:extLst>
-      <p:ext uri="{BB962C8B-B14F-4D97-AF65-F5344CB8AC3E}">
-        <p14:creationId xmlns:p14="http://schemas.microsoft.com/office/powerpoint/2010/main" val="4036092701"/>
-      </p:ext>
-    </p:extLst>
-  </p:cSld>
-  <p:clrMapOvr>
-    <a:masterClrMapping/>
-  </p:clrMapOvr>
-</p:sld>
-</file>
-
-<file path=ppt/slides/slide11.xml><?xml version="1.0" encoding="utf-8"?>
-<p:sld xmlns:a="http://schemas.openxmlformats.org/drawingml/2006/main" xmlns:r="http://schemas.openxmlformats.org/officeDocument/2006/relationships" xmlns:p="http://schemas.openxmlformats.org/presentationml/2006/main">
-  <p:cSld>
-    <p:spTree>
-      <p:nvGrpSpPr>
-        <p:cNvPr id="1" name=""/>
-        <p:cNvGrpSpPr/>
-        <p:nvPr/>
-      </p:nvGrpSpPr>
-      <p:grpSpPr>
-        <a:xfrm>
-          <a:off x="0" y="0"/>
-          <a:ext cx="0" cy="0"/>
-          <a:chOff x="0" y="0"/>
-          <a:chExt cx="0" cy="0"/>
-        </a:xfrm>
-      </p:grpSpPr>
-      <p:sp>
-        <p:nvSpPr>
-          <p:cNvPr id="2" name="제목 1">
-            <a:extLst>
-              <a:ext uri="{FF2B5EF4-FFF2-40B4-BE49-F238E27FC236}">
-                <a16:creationId xmlns:a16="http://schemas.microsoft.com/office/drawing/2014/main" id="{BAD4E0BF-CE68-970B-82A4-EB8F04D87D22}"/>
-              </a:ext>
-            </a:extLst>
-          </p:cNvPr>
-          <p:cNvSpPr>
-            <a:spLocks noGrp="1"/>
-          </p:cNvSpPr>
-          <p:nvPr>
-            <p:ph type="title"/>
-          </p:nvPr>
-        </p:nvSpPr>
-        <p:spPr/>
-        <p:txBody>
-          <a:bodyPr/>
-          <a:lstStyle/>
-          <a:p>
-            <a:r>
-              <a:rPr lang="en-US" altLang="ko-KR" dirty="0"/>
-              <a:t>IPG vs MPC</a:t>
-            </a:r>
-            <a:endParaRPr lang="ko-KR" altLang="en-US" dirty="0"/>
-          </a:p>
-        </p:txBody>
-      </p:sp>
-      <p:pic>
-        <p:nvPicPr>
-          <p:cNvPr id="5" name="내용 개체 틀 4">
-            <a:extLst>
-              <a:ext uri="{FF2B5EF4-FFF2-40B4-BE49-F238E27FC236}">
-                <a16:creationId xmlns:a16="http://schemas.microsoft.com/office/drawing/2014/main" id="{6B7BA42A-7AA2-3536-6DDD-129D89E75EF2}"/>
-              </a:ext>
-            </a:extLst>
-          </p:cNvPr>
-          <p:cNvPicPr>
-            <a:picLocks noGrp="1" noChangeAspect="1"/>
-          </p:cNvPicPr>
-          <p:nvPr>
-            <p:ph idx="1"/>
-          </p:nvPr>
-        </p:nvPicPr>
-        <p:blipFill>
-          <a:blip r:embed="rId2"/>
-          <a:stretch>
-            <a:fillRect/>
-          </a:stretch>
-        </p:blipFill>
-        <p:spPr>
-          <a:xfrm>
-            <a:off x="2117634" y="1825625"/>
-            <a:ext cx="7956732" cy="4351338"/>
-          </a:xfrm>
-        </p:spPr>
-      </p:pic>
-    </p:spTree>
-    <p:extLst>
-      <p:ext uri="{BB962C8B-B14F-4D97-AF65-F5344CB8AC3E}">
-        <p14:creationId xmlns:p14="http://schemas.microsoft.com/office/powerpoint/2010/main" val="45892020"/>
-      </p:ext>
-    </p:extLst>
-  </p:cSld>
-  <p:clrMapOvr>
-    <a:masterClrMapping/>
-  </p:clrMapOvr>
-</p:sld>
-</file>
-
-<file path=ppt/slides/slide12.xml><?xml version="1.0" encoding="utf-8"?>
-<p:sld xmlns:a="http://schemas.openxmlformats.org/drawingml/2006/main" xmlns:r="http://schemas.openxmlformats.org/officeDocument/2006/relationships" xmlns:p="http://schemas.openxmlformats.org/presentationml/2006/main">
-  <p:cSld>
-    <p:spTree>
-      <p:nvGrpSpPr>
-        <p:cNvPr id="1" name=""/>
-        <p:cNvGrpSpPr/>
-        <p:nvPr/>
-      </p:nvGrpSpPr>
-      <p:grpSpPr>
-        <a:xfrm>
-          <a:off x="0" y="0"/>
-          <a:ext cx="0" cy="0"/>
-          <a:chOff x="0" y="0"/>
-          <a:chExt cx="0" cy="0"/>
-        </a:xfrm>
-      </p:grpSpPr>
-      <p:sp>
-        <p:nvSpPr>
-          <p:cNvPr id="2" name="제목 1">
-            <a:extLst>
-              <a:ext uri="{FF2B5EF4-FFF2-40B4-BE49-F238E27FC236}">
-                <a16:creationId xmlns:a16="http://schemas.microsoft.com/office/drawing/2014/main" id="{05A62DBF-E3C3-BC0D-1559-4893F9742B29}"/>
-              </a:ext>
-            </a:extLst>
-          </p:cNvPr>
-          <p:cNvSpPr>
-            <a:spLocks noGrp="1"/>
-          </p:cNvSpPr>
-          <p:nvPr>
-            <p:ph type="title"/>
-          </p:nvPr>
-        </p:nvSpPr>
-        <p:spPr/>
-        <p:txBody>
-          <a:bodyPr/>
-          <a:lstStyle/>
-          <a:p>
-            <a:r>
-              <a:rPr lang="ko-KR" altLang="en-US" dirty="0" err="1"/>
-              <a:t>궁금한거</a:t>
-            </a:r>
-            <a:endParaRPr lang="en-US" dirty="0"/>
-          </a:p>
-        </p:txBody>
-      </p:sp>
-      <p:sp>
-        <p:nvSpPr>
-          <p:cNvPr id="3" name="내용 개체 틀 2">
-            <a:extLst>
-              <a:ext uri="{FF2B5EF4-FFF2-40B4-BE49-F238E27FC236}">
-                <a16:creationId xmlns:a16="http://schemas.microsoft.com/office/drawing/2014/main" id="{4F07812A-34D4-1553-79BD-AE43220939D6}"/>
-              </a:ext>
-            </a:extLst>
-          </p:cNvPr>
-          <p:cNvSpPr>
-            <a:spLocks noGrp="1"/>
-          </p:cNvSpPr>
-          <p:nvPr>
-            <p:ph idx="1"/>
-          </p:nvPr>
-        </p:nvSpPr>
-        <p:spPr/>
-        <p:txBody>
-          <a:bodyPr/>
-          <a:lstStyle/>
-          <a:p>
-            <a:r>
-              <a:rPr lang="en-US" dirty="0"/>
-              <a:t>Callback </a:t>
-            </a:r>
-            <a:r>
-              <a:rPr lang="ko-KR" altLang="en-US" dirty="0"/>
-              <a:t>함수</a:t>
-            </a:r>
-            <a:endParaRPr lang="en-US" altLang="ko-KR" dirty="0"/>
-          </a:p>
-          <a:p>
-            <a:pPr lvl="1"/>
-            <a:r>
-              <a:rPr lang="ko-KR" altLang="en-US" dirty="0"/>
-              <a:t>왜 앞의 최근 </a:t>
-            </a:r>
-            <a:r>
-              <a:rPr lang="en-US" altLang="ko-KR" dirty="0"/>
-              <a:t>100</a:t>
-            </a:r>
-            <a:r>
-              <a:rPr lang="ko-KR" altLang="en-US" dirty="0"/>
-              <a:t>개 에피소드를 기준으로 평균 보상을 </a:t>
-            </a:r>
-            <a:r>
-              <a:rPr lang="ko-KR" altLang="en-US" dirty="0" err="1"/>
-              <a:t>계산하는건지</a:t>
-            </a:r>
-            <a:r>
-              <a:rPr lang="en-US" altLang="ko-KR" dirty="0"/>
-              <a:t>?</a:t>
-            </a:r>
-          </a:p>
-          <a:p>
-            <a:pPr lvl="1"/>
-            <a:r>
-              <a:rPr lang="ko-KR" altLang="en-US" dirty="0"/>
-              <a:t>왜 </a:t>
-            </a:r>
-            <a:r>
-              <a:rPr lang="en-US" altLang="ko-KR" dirty="0" err="1"/>
-              <a:t>pkl</a:t>
-            </a:r>
-            <a:r>
-              <a:rPr lang="ko-KR" altLang="en-US" dirty="0"/>
-              <a:t>로 </a:t>
-            </a:r>
-            <a:r>
-              <a:rPr lang="ko-KR" altLang="en-US" dirty="0" err="1"/>
-              <a:t>저장된건지</a:t>
-            </a:r>
-            <a:r>
-              <a:rPr lang="ko-KR" altLang="en-US" dirty="0"/>
-              <a:t> </a:t>
-            </a:r>
-            <a:r>
-              <a:rPr lang="en-US" altLang="ko-KR"/>
-              <a:t>?</a:t>
-            </a:r>
-            <a:endParaRPr lang="en-US" dirty="0"/>
-          </a:p>
-        </p:txBody>
-      </p:sp>
-    </p:spTree>
-    <p:extLst>
-      <p:ext uri="{BB962C8B-B14F-4D97-AF65-F5344CB8AC3E}">
-        <p14:creationId xmlns:p14="http://schemas.microsoft.com/office/powerpoint/2010/main" val="1479663846"/>
-      </p:ext>
-    </p:extLst>
-  </p:cSld>
-  <p:clrMapOvr>
-    <a:masterClrMapping/>
-  </p:clrMapOvr>
-</p:sld>
-</file>
-
 <file path=ppt/slides/slide2.xml><?xml version="1.0" encoding="utf-8"?>
 <p:sld xmlns:a="http://schemas.openxmlformats.org/drawingml/2006/main" xmlns:r="http://schemas.openxmlformats.org/officeDocument/2006/relationships" xmlns:p="http://schemas.openxmlformats.org/presentationml/2006/main">
   <p:cSld>
@@ -4093,7 +3764,7 @@
           <p:cNvPr id="2" name="제목 1">
             <a:extLst>
               <a:ext uri="{FF2B5EF4-FFF2-40B4-BE49-F238E27FC236}">
-                <a16:creationId xmlns:a16="http://schemas.microsoft.com/office/drawing/2014/main" id="{A6BC79B4-6679-1A18-D586-452A3D54BF51}"/>
+                <a16:creationId xmlns:a16="http://schemas.microsoft.com/office/drawing/2014/main" id="{05A62DBF-E3C3-BC0D-1559-4893F9742B29}"/>
               </a:ext>
             </a:extLst>
           </p:cNvPr>
@@ -4110,852 +3781,189 @@
           <a:lstStyle/>
           <a:p>
             <a:r>
+              <a:rPr lang="ko-KR" altLang="en-US" dirty="0" err="1"/>
+              <a:t>궁금한거</a:t>
+            </a:r>
+            <a:endParaRPr lang="en-US" dirty="0"/>
+          </a:p>
+        </p:txBody>
+      </p:sp>
+      <p:sp>
+        <p:nvSpPr>
+          <p:cNvPr id="3" name="내용 개체 틀 2">
+            <a:extLst>
+              <a:ext uri="{FF2B5EF4-FFF2-40B4-BE49-F238E27FC236}">
+                <a16:creationId xmlns:a16="http://schemas.microsoft.com/office/drawing/2014/main" id="{4F07812A-34D4-1553-79BD-AE43220939D6}"/>
+              </a:ext>
+            </a:extLst>
+          </p:cNvPr>
+          <p:cNvSpPr>
+            <a:spLocks noGrp="1"/>
+          </p:cNvSpPr>
+          <p:nvPr>
+            <p:ph idx="1"/>
+          </p:nvPr>
+        </p:nvSpPr>
+        <p:spPr/>
+        <p:txBody>
+          <a:bodyPr/>
+          <a:lstStyle/>
+          <a:p>
+            <a:r>
+              <a:rPr lang="en-US" dirty="0"/>
+              <a:t>Callback </a:t>
+            </a:r>
+            <a:r>
+              <a:rPr lang="ko-KR" altLang="en-US" dirty="0"/>
+              <a:t>함수</a:t>
+            </a:r>
+            <a:endParaRPr lang="en-US" altLang="ko-KR" dirty="0"/>
+          </a:p>
+          <a:p>
+            <a:pPr lvl="1"/>
+            <a:r>
+              <a:rPr lang="ko-KR" altLang="en-US" dirty="0"/>
+              <a:t>왜 앞의 최근 </a:t>
+            </a:r>
+            <a:r>
               <a:rPr lang="en-US" altLang="ko-KR" dirty="0"/>
-              <a:t>Lane Change (ISO 3888-2)</a:t>
-            </a:r>
-            <a:endParaRPr lang="ko-KR" altLang="en-US" dirty="0"/>
-          </a:p>
-        </p:txBody>
-      </p:sp>
-      <p:sp>
-        <p:nvSpPr>
-          <p:cNvPr id="3" name="내용 개체 틀 2">
-            <a:extLst>
-              <a:ext uri="{FF2B5EF4-FFF2-40B4-BE49-F238E27FC236}">
-                <a16:creationId xmlns:a16="http://schemas.microsoft.com/office/drawing/2014/main" id="{D1DE96DE-83AC-71D9-E357-EC072E3DDB97}"/>
-              </a:ext>
-            </a:extLst>
-          </p:cNvPr>
-          <p:cNvSpPr>
-            <a:spLocks noGrp="1"/>
-          </p:cNvSpPr>
-          <p:nvPr>
-            <p:ph idx="1"/>
-          </p:nvPr>
-        </p:nvSpPr>
-        <p:spPr/>
-        <p:txBody>
-          <a:bodyPr/>
-          <a:lstStyle/>
-          <a:p>
+              <a:t>100</a:t>
+            </a:r>
+            <a:r>
+              <a:rPr lang="ko-KR" altLang="en-US" dirty="0"/>
+              <a:t>개 에피소드를 기준으로 평균 보상을 </a:t>
+            </a:r>
+            <a:r>
+              <a:rPr lang="ko-KR" altLang="en-US" dirty="0" err="1"/>
+              <a:t>계산하는건지</a:t>
+            </a:r>
             <a:r>
               <a:rPr lang="en-US" altLang="ko-KR" dirty="0"/>
-              <a:t>IPG Setting for RL</a:t>
+              <a:t>?</a:t>
             </a:r>
           </a:p>
           <a:p>
             <a:pPr lvl="1"/>
             <a:r>
+              <a:rPr lang="ko-KR" altLang="en-US" dirty="0"/>
+              <a:t>왜 </a:t>
+            </a:r>
+            <a:r>
+              <a:rPr lang="en-US" altLang="ko-KR" dirty="0" err="1"/>
+              <a:t>pkl</a:t>
+            </a:r>
+            <a:r>
+              <a:rPr lang="ko-KR" altLang="en-US" dirty="0"/>
+              <a:t>로 </a:t>
+            </a:r>
+            <a:r>
+              <a:rPr lang="ko-KR" altLang="en-US" dirty="0" err="1"/>
+              <a:t>저장된건지</a:t>
+            </a:r>
+            <a:r>
+              <a:rPr lang="ko-KR" altLang="en-US" dirty="0"/>
+              <a:t> </a:t>
+            </a:r>
+            <a:r>
               <a:rPr lang="en-US" altLang="ko-KR" dirty="0"/>
-              <a:t>Initial car velocity: 50 kph</a:t>
+              <a:t>?</a:t>
             </a:r>
           </a:p>
           <a:p>
             <a:pPr lvl="1"/>
+            <a:endParaRPr lang="en-US" dirty="0"/>
+          </a:p>
+          <a:p>
+            <a:r>
+              <a:rPr lang="ko-KR" altLang="en-US" dirty="0"/>
+              <a:t>테스트시나리오 </a:t>
+            </a:r>
+            <a:r>
+              <a:rPr lang="ko-KR" altLang="en-US" dirty="0" err="1"/>
+              <a:t>합친거는</a:t>
+            </a:r>
+            <a:r>
+              <a:rPr lang="ko-KR" altLang="en-US" dirty="0"/>
+              <a:t> 진행중에 있음</a:t>
+            </a:r>
+            <a:endParaRPr lang="en-US" altLang="ko-KR" dirty="0"/>
+          </a:p>
+          <a:p>
+            <a:endParaRPr lang="en-US" dirty="0"/>
+          </a:p>
+          <a:p>
+            <a:endParaRPr lang="en-US" dirty="0"/>
+          </a:p>
+          <a:p>
+            <a:r>
+              <a:rPr lang="en-US" dirty="0"/>
+              <a:t>policy b</a:t>
+            </a:r>
+            <a:r>
+              <a:rPr lang="ko-KR" altLang="en-US" dirty="0"/>
+              <a:t>의 방식을 </a:t>
+            </a:r>
+            <a:r>
+              <a:rPr lang="ko-KR" altLang="en-US" dirty="0" err="1"/>
+              <a:t>바꾸는게</a:t>
+            </a:r>
+            <a:r>
+              <a:rPr lang="ko-KR" altLang="en-US" dirty="0"/>
+              <a:t> </a:t>
+            </a:r>
+            <a:r>
+              <a:rPr lang="ko-KR" altLang="en-US" dirty="0" err="1"/>
+              <a:t>좋을것으로</a:t>
+            </a:r>
+            <a:r>
+              <a:rPr lang="ko-KR" altLang="en-US" dirty="0"/>
+              <a:t> 보임</a:t>
+            </a:r>
+            <a:endParaRPr lang="en-US" altLang="ko-KR" dirty="0"/>
+          </a:p>
+          <a:p>
+            <a:endParaRPr lang="en-US" dirty="0"/>
+          </a:p>
+          <a:p>
+            <a:r>
+              <a:rPr lang="ko-KR" altLang="en-US" dirty="0"/>
+              <a:t>왜 </a:t>
+            </a:r>
+            <a:r>
+              <a:rPr lang="en-US" altLang="ko-KR" dirty="0" err="1"/>
+              <a:t>mpc</a:t>
+            </a:r>
+            <a:r>
+              <a:rPr lang="ko-KR" altLang="en-US" dirty="0"/>
+              <a:t>경로 넣었을 때는 안됐을까</a:t>
+            </a:r>
             <a:r>
               <a:rPr lang="en-US" altLang="ko-KR" dirty="0"/>
-              <a:t>(0m ~ 52m) Longitudinal Dynamics: IPGDriver, Speed 50 kph</a:t>
+              <a:t>?</a:t>
             </a:r>
           </a:p>
           <a:p>
             <a:pPr lvl="1"/>
             <a:r>
+              <a:rPr lang="en-US" dirty="0"/>
+              <a:t>policy b</a:t>
+            </a:r>
+            <a:r>
+              <a:rPr lang="ko-KR" altLang="en-US" dirty="0"/>
+              <a:t>에서 경로 생성하면서 할 때는 잘만 하면서 </a:t>
+            </a:r>
+            <a:r>
               <a:rPr lang="en-US" altLang="ko-KR" dirty="0"/>
-              <a:t>(52m ~ 161m) Longitudinal Dynamics: G/B/C/P 0</a:t>
-            </a:r>
-          </a:p>
-          <a:p>
-            <a:pPr lvl="1"/>
-            <a:r>
-              <a:rPr lang="en-US" altLang="ko-KR" dirty="0"/>
-              <a:t>Corner cutting Coefficient: 1</a:t>
-            </a:r>
-          </a:p>
-          <a:p>
-            <a:endParaRPr lang="en-US" altLang="ko-KR" dirty="0"/>
-          </a:p>
-          <a:p>
-            <a:r>
-              <a:rPr lang="en-US" altLang="ko-KR" dirty="0"/>
-              <a:t>IPG Setting for MPC</a:t>
-            </a:r>
-          </a:p>
-          <a:p>
-            <a:pPr lvl="1"/>
-            <a:r>
-              <a:rPr lang="en-US" altLang="ko-KR" dirty="0"/>
-              <a:t>Longitudinal Dynamics: IPGDriver, Speed 50 kph</a:t>
-            </a:r>
-          </a:p>
-          <a:p>
-            <a:pPr lvl="1"/>
-            <a:r>
-              <a:rPr lang="en-US" altLang="ko-KR" dirty="0"/>
-              <a:t>Corner cutting Coefficient: 1</a:t>
-            </a:r>
-          </a:p>
-          <a:p>
-            <a:pPr lvl="1"/>
-            <a:endParaRPr lang="en-US" altLang="ko-KR" dirty="0"/>
-          </a:p>
-          <a:p>
-            <a:r>
-              <a:rPr lang="en-US" altLang="ko-KR" dirty="0"/>
-              <a:t>Results</a:t>
-            </a:r>
-          </a:p>
-          <a:p>
-            <a:pPr lvl="1"/>
-            <a:r>
-              <a:rPr lang="en-US" altLang="ko-KR" dirty="0"/>
-              <a:t>IPG Collision: 3</a:t>
-            </a:r>
-          </a:p>
-          <a:p>
-            <a:pPr lvl="1"/>
-            <a:r>
-              <a:rPr lang="en-US" altLang="ko-KR" dirty="0"/>
-              <a:t>RL Collision: 2</a:t>
-            </a:r>
-          </a:p>
-          <a:p>
-            <a:pPr lvl="1"/>
-            <a:r>
-              <a:rPr lang="en-US" altLang="ko-KR" dirty="0"/>
-              <a:t>MPC Collision: 0</a:t>
-            </a:r>
-          </a:p>
-          <a:p>
-            <a:endParaRPr lang="en-US" altLang="ko-KR" dirty="0"/>
-          </a:p>
-        </p:txBody>
-      </p:sp>
-      <p:pic>
-        <p:nvPicPr>
-          <p:cNvPr id="7" name="그림 6">
-            <a:extLst>
-              <a:ext uri="{FF2B5EF4-FFF2-40B4-BE49-F238E27FC236}">
-                <a16:creationId xmlns:a16="http://schemas.microsoft.com/office/drawing/2014/main" id="{43AA6F36-1FB2-E066-B3A6-E615433F174A}"/>
-              </a:ext>
-            </a:extLst>
-          </p:cNvPr>
-          <p:cNvPicPr>
-            <a:picLocks noChangeAspect="1"/>
-          </p:cNvPicPr>
-          <p:nvPr/>
-        </p:nvPicPr>
-        <p:blipFill rotWithShape="1">
-          <a:blip r:embed="rId2"/>
-          <a:srcRect t="76704" r="56607" b="1907"/>
-          <a:stretch/>
-        </p:blipFill>
-        <p:spPr>
-          <a:xfrm>
-            <a:off x="4499492" y="4953804"/>
-            <a:ext cx="6854308" cy="1223159"/>
-          </a:xfrm>
-          <a:prstGeom prst="rect">
-            <a:avLst/>
-          </a:prstGeom>
-        </p:spPr>
-      </p:pic>
+              <a:t>..</a:t>
+            </a:r>
+            <a:endParaRPr lang="en-US" dirty="0"/>
+          </a:p>
+        </p:txBody>
+      </p:sp>
     </p:spTree>
     <p:extLst>
       <p:ext uri="{BB962C8B-B14F-4D97-AF65-F5344CB8AC3E}">
-        <p14:creationId xmlns:p14="http://schemas.microsoft.com/office/powerpoint/2010/main" val="2188555385"/>
-      </p:ext>
-    </p:extLst>
-  </p:cSld>
-  <p:clrMapOvr>
-    <a:masterClrMapping/>
-  </p:clrMapOvr>
-</p:sld>
-</file>
-
-<file path=ppt/slides/slide3.xml><?xml version="1.0" encoding="utf-8"?>
-<p:sld xmlns:a="http://schemas.openxmlformats.org/drawingml/2006/main" xmlns:r="http://schemas.openxmlformats.org/officeDocument/2006/relationships" xmlns:p="http://schemas.openxmlformats.org/presentationml/2006/main">
-  <p:cSld>
-    <p:spTree>
-      <p:nvGrpSpPr>
-        <p:cNvPr id="1" name=""/>
-        <p:cNvGrpSpPr/>
-        <p:nvPr/>
-      </p:nvGrpSpPr>
-      <p:grpSpPr>
-        <a:xfrm>
-          <a:off x="0" y="0"/>
-          <a:ext cx="0" cy="0"/>
-          <a:chOff x="0" y="0"/>
-          <a:chExt cx="0" cy="0"/>
-        </a:xfrm>
-      </p:grpSpPr>
-      <p:sp>
-        <p:nvSpPr>
-          <p:cNvPr id="2" name="제목 1">
-            <a:extLst>
-              <a:ext uri="{FF2B5EF4-FFF2-40B4-BE49-F238E27FC236}">
-                <a16:creationId xmlns:a16="http://schemas.microsoft.com/office/drawing/2014/main" id="{809A18AE-0125-A575-6E02-15AAC2AB5CBC}"/>
-              </a:ext>
-            </a:extLst>
-          </p:cNvPr>
-          <p:cNvSpPr>
-            <a:spLocks noGrp="1"/>
-          </p:cNvSpPr>
-          <p:nvPr>
-            <p:ph type="title"/>
-          </p:nvPr>
-        </p:nvSpPr>
-        <p:spPr/>
-        <p:txBody>
-          <a:bodyPr/>
-          <a:lstStyle/>
-          <a:p>
-            <a:r>
-              <a:rPr lang="en-US" altLang="ko-KR" dirty="0"/>
-              <a:t>IPG - RL</a:t>
-            </a:r>
-            <a:endParaRPr lang="ko-KR" altLang="en-US" dirty="0"/>
-          </a:p>
-        </p:txBody>
-      </p:sp>
-      <p:pic>
-        <p:nvPicPr>
-          <p:cNvPr id="11" name="내용 개체 틀 10">
-            <a:extLst>
-              <a:ext uri="{FF2B5EF4-FFF2-40B4-BE49-F238E27FC236}">
-                <a16:creationId xmlns:a16="http://schemas.microsoft.com/office/drawing/2014/main" id="{B48CEEA4-D4D3-8AD7-D95C-8499DD7DB04F}"/>
-              </a:ext>
-            </a:extLst>
-          </p:cNvPr>
-          <p:cNvPicPr>
-            <a:picLocks noGrp="1" noChangeAspect="1"/>
-          </p:cNvPicPr>
-          <p:nvPr>
-            <p:ph idx="1"/>
-          </p:nvPr>
-        </p:nvPicPr>
-        <p:blipFill>
-          <a:blip r:embed="rId2"/>
-          <a:stretch>
-            <a:fillRect/>
-          </a:stretch>
-        </p:blipFill>
-        <p:spPr>
-          <a:xfrm>
-            <a:off x="2117634" y="1825625"/>
-            <a:ext cx="7956732" cy="4351338"/>
-          </a:xfrm>
-        </p:spPr>
-      </p:pic>
-    </p:spTree>
-    <p:extLst>
-      <p:ext uri="{BB962C8B-B14F-4D97-AF65-F5344CB8AC3E}">
-        <p14:creationId xmlns:p14="http://schemas.microsoft.com/office/powerpoint/2010/main" val="1840892901"/>
-      </p:ext>
-    </p:extLst>
-  </p:cSld>
-  <p:clrMapOvr>
-    <a:masterClrMapping/>
-  </p:clrMapOvr>
-</p:sld>
-</file>
-
-<file path=ppt/slides/slide4.xml><?xml version="1.0" encoding="utf-8"?>
-<p:sld xmlns:a="http://schemas.openxmlformats.org/drawingml/2006/main" xmlns:r="http://schemas.openxmlformats.org/officeDocument/2006/relationships" xmlns:p="http://schemas.openxmlformats.org/presentationml/2006/main">
-  <p:cSld>
-    <p:spTree>
-      <p:nvGrpSpPr>
-        <p:cNvPr id="1" name=""/>
-        <p:cNvGrpSpPr/>
-        <p:nvPr/>
-      </p:nvGrpSpPr>
-      <p:grpSpPr>
-        <a:xfrm>
-          <a:off x="0" y="0"/>
-          <a:ext cx="0" cy="0"/>
-          <a:chOff x="0" y="0"/>
-          <a:chExt cx="0" cy="0"/>
-        </a:xfrm>
-      </p:grpSpPr>
-      <p:sp>
-        <p:nvSpPr>
-          <p:cNvPr id="2" name="제목 1">
-            <a:extLst>
-              <a:ext uri="{FF2B5EF4-FFF2-40B4-BE49-F238E27FC236}">
-                <a16:creationId xmlns:a16="http://schemas.microsoft.com/office/drawing/2014/main" id="{CF38FA5F-E452-22CD-4282-6B13F6E42401}"/>
-              </a:ext>
-            </a:extLst>
-          </p:cNvPr>
-          <p:cNvSpPr>
-            <a:spLocks noGrp="1"/>
-          </p:cNvSpPr>
-          <p:nvPr>
-            <p:ph type="title"/>
-          </p:nvPr>
-        </p:nvSpPr>
-        <p:spPr/>
-        <p:txBody>
-          <a:bodyPr/>
-          <a:lstStyle/>
-          <a:p>
-            <a:r>
-              <a:rPr lang="en-US" altLang="ko-KR" dirty="0"/>
-              <a:t>IPG - RL</a:t>
-            </a:r>
-            <a:endParaRPr lang="ko-KR" altLang="en-US" dirty="0"/>
-          </a:p>
-        </p:txBody>
-      </p:sp>
-      <p:pic>
-        <p:nvPicPr>
-          <p:cNvPr id="10" name="내용 개체 틀 9">
-            <a:extLst>
-              <a:ext uri="{FF2B5EF4-FFF2-40B4-BE49-F238E27FC236}">
-                <a16:creationId xmlns:a16="http://schemas.microsoft.com/office/drawing/2014/main" id="{FB4017D9-6E5E-3DFE-35AB-9517094AD482}"/>
-              </a:ext>
-            </a:extLst>
-          </p:cNvPr>
-          <p:cNvPicPr>
-            <a:picLocks noGrp="1" noChangeAspect="1"/>
-          </p:cNvPicPr>
-          <p:nvPr>
-            <p:ph idx="1"/>
-          </p:nvPr>
-        </p:nvPicPr>
-        <p:blipFill>
-          <a:blip r:embed="rId2"/>
-          <a:stretch>
-            <a:fillRect/>
-          </a:stretch>
-        </p:blipFill>
-        <p:spPr>
-          <a:xfrm>
-            <a:off x="2117634" y="1825625"/>
-            <a:ext cx="7956732" cy="4351338"/>
-          </a:xfrm>
-        </p:spPr>
-      </p:pic>
-    </p:spTree>
-    <p:extLst>
-      <p:ext uri="{BB962C8B-B14F-4D97-AF65-F5344CB8AC3E}">
-        <p14:creationId xmlns:p14="http://schemas.microsoft.com/office/powerpoint/2010/main" val="1001977954"/>
-      </p:ext>
-    </p:extLst>
-  </p:cSld>
-  <p:clrMapOvr>
-    <a:masterClrMapping/>
-  </p:clrMapOvr>
-</p:sld>
-</file>
-
-<file path=ppt/slides/slide5.xml><?xml version="1.0" encoding="utf-8"?>
-<p:sld xmlns:a="http://schemas.openxmlformats.org/drawingml/2006/main" xmlns:r="http://schemas.openxmlformats.org/officeDocument/2006/relationships" xmlns:p="http://schemas.openxmlformats.org/presentationml/2006/main">
-  <p:cSld>
-    <p:spTree>
-      <p:nvGrpSpPr>
-        <p:cNvPr id="1" name=""/>
-        <p:cNvGrpSpPr/>
-        <p:nvPr/>
-      </p:nvGrpSpPr>
-      <p:grpSpPr>
-        <a:xfrm>
-          <a:off x="0" y="0"/>
-          <a:ext cx="0" cy="0"/>
-          <a:chOff x="0" y="0"/>
-          <a:chExt cx="0" cy="0"/>
-        </a:xfrm>
-      </p:grpSpPr>
-      <p:sp>
-        <p:nvSpPr>
-          <p:cNvPr id="2" name="제목 1">
-            <a:extLst>
-              <a:ext uri="{FF2B5EF4-FFF2-40B4-BE49-F238E27FC236}">
-                <a16:creationId xmlns:a16="http://schemas.microsoft.com/office/drawing/2014/main" id="{46F620D1-E59C-B50D-E149-26ECAABC06A9}"/>
-              </a:ext>
-            </a:extLst>
-          </p:cNvPr>
-          <p:cNvSpPr>
-            <a:spLocks noGrp="1"/>
-          </p:cNvSpPr>
-          <p:nvPr>
-            <p:ph type="title"/>
-          </p:nvPr>
-        </p:nvSpPr>
-        <p:spPr/>
-        <p:txBody>
-          <a:bodyPr/>
-          <a:lstStyle/>
-          <a:p>
-            <a:r>
-              <a:rPr lang="en-US" altLang="ko-KR" dirty="0"/>
-              <a:t>IPG - MPC</a:t>
-            </a:r>
-            <a:endParaRPr lang="ko-KR" altLang="en-US" dirty="0"/>
-          </a:p>
-        </p:txBody>
-      </p:sp>
-      <p:pic>
-        <p:nvPicPr>
-          <p:cNvPr id="9" name="내용 개체 틀 8">
-            <a:extLst>
-              <a:ext uri="{FF2B5EF4-FFF2-40B4-BE49-F238E27FC236}">
-                <a16:creationId xmlns:a16="http://schemas.microsoft.com/office/drawing/2014/main" id="{A445B843-EA4B-8E11-5E7D-39B8E190A57E}"/>
-              </a:ext>
-            </a:extLst>
-          </p:cNvPr>
-          <p:cNvPicPr>
-            <a:picLocks noGrp="1" noChangeAspect="1"/>
-          </p:cNvPicPr>
-          <p:nvPr>
-            <p:ph idx="1"/>
-          </p:nvPr>
-        </p:nvPicPr>
-        <p:blipFill>
-          <a:blip r:embed="rId2"/>
-          <a:stretch>
-            <a:fillRect/>
-          </a:stretch>
-        </p:blipFill>
-        <p:spPr>
-          <a:xfrm>
-            <a:off x="2117634" y="1825625"/>
-            <a:ext cx="7956732" cy="4351338"/>
-          </a:xfrm>
-        </p:spPr>
-      </p:pic>
-    </p:spTree>
-    <p:extLst>
-      <p:ext uri="{BB962C8B-B14F-4D97-AF65-F5344CB8AC3E}">
-        <p14:creationId xmlns:p14="http://schemas.microsoft.com/office/powerpoint/2010/main" val="2798072820"/>
-      </p:ext>
-    </p:extLst>
-  </p:cSld>
-  <p:clrMapOvr>
-    <a:masterClrMapping/>
-  </p:clrMapOvr>
-</p:sld>
-</file>
-
-<file path=ppt/slides/slide6.xml><?xml version="1.0" encoding="utf-8"?>
-<p:sld xmlns:a="http://schemas.openxmlformats.org/drawingml/2006/main" xmlns:r="http://schemas.openxmlformats.org/officeDocument/2006/relationships" xmlns:p="http://schemas.openxmlformats.org/presentationml/2006/main">
-  <p:cSld>
-    <p:spTree>
-      <p:nvGrpSpPr>
-        <p:cNvPr id="1" name=""/>
-        <p:cNvGrpSpPr/>
-        <p:nvPr/>
-      </p:nvGrpSpPr>
-      <p:grpSpPr>
-        <a:xfrm>
-          <a:off x="0" y="0"/>
-          <a:ext cx="0" cy="0"/>
-          <a:chOff x="0" y="0"/>
-          <a:chExt cx="0" cy="0"/>
-        </a:xfrm>
-      </p:grpSpPr>
-      <p:sp>
-        <p:nvSpPr>
-          <p:cNvPr id="2" name="제목 1">
-            <a:extLst>
-              <a:ext uri="{FF2B5EF4-FFF2-40B4-BE49-F238E27FC236}">
-                <a16:creationId xmlns:a16="http://schemas.microsoft.com/office/drawing/2014/main" id="{05C074D9-1659-F4FD-451A-F79551FB7D7E}"/>
-              </a:ext>
-            </a:extLst>
-          </p:cNvPr>
-          <p:cNvSpPr>
-            <a:spLocks noGrp="1"/>
-          </p:cNvSpPr>
-          <p:nvPr>
-            <p:ph type="title"/>
-          </p:nvPr>
-        </p:nvSpPr>
-        <p:spPr/>
-        <p:txBody>
-          <a:bodyPr/>
-          <a:lstStyle/>
-          <a:p>
-            <a:r>
-              <a:rPr lang="en-US" altLang="ko-KR" dirty="0"/>
-              <a:t>IPG - MPC</a:t>
-            </a:r>
-            <a:endParaRPr lang="ko-KR" altLang="en-US" dirty="0"/>
-          </a:p>
-        </p:txBody>
-      </p:sp>
-      <p:pic>
-        <p:nvPicPr>
-          <p:cNvPr id="9" name="내용 개체 틀 8">
-            <a:extLst>
-              <a:ext uri="{FF2B5EF4-FFF2-40B4-BE49-F238E27FC236}">
-                <a16:creationId xmlns:a16="http://schemas.microsoft.com/office/drawing/2014/main" id="{D34CAF79-329A-2400-B205-99CA8F451F22}"/>
-              </a:ext>
-            </a:extLst>
-          </p:cNvPr>
-          <p:cNvPicPr>
-            <a:picLocks noGrp="1" noChangeAspect="1"/>
-          </p:cNvPicPr>
-          <p:nvPr>
-            <p:ph idx="1"/>
-          </p:nvPr>
-        </p:nvPicPr>
-        <p:blipFill>
-          <a:blip r:embed="rId2"/>
-          <a:stretch>
-            <a:fillRect/>
-          </a:stretch>
-        </p:blipFill>
-        <p:spPr>
-          <a:xfrm>
-            <a:off x="2117634" y="1825625"/>
-            <a:ext cx="7956732" cy="4351338"/>
-          </a:xfrm>
-        </p:spPr>
-      </p:pic>
-    </p:spTree>
-    <p:extLst>
-      <p:ext uri="{BB962C8B-B14F-4D97-AF65-F5344CB8AC3E}">
-        <p14:creationId xmlns:p14="http://schemas.microsoft.com/office/powerpoint/2010/main" val="3200379839"/>
-      </p:ext>
-    </p:extLst>
-  </p:cSld>
-  <p:clrMapOvr>
-    <a:masterClrMapping/>
-  </p:clrMapOvr>
-</p:sld>
-</file>
-
-<file path=ppt/slides/slide7.xml><?xml version="1.0" encoding="utf-8"?>
-<p:sld xmlns:a="http://schemas.openxmlformats.org/drawingml/2006/main" xmlns:r="http://schemas.openxmlformats.org/officeDocument/2006/relationships" xmlns:p="http://schemas.openxmlformats.org/presentationml/2006/main">
-  <p:cSld>
-    <p:spTree>
-      <p:nvGrpSpPr>
-        <p:cNvPr id="1" name=""/>
-        <p:cNvGrpSpPr/>
-        <p:nvPr/>
-      </p:nvGrpSpPr>
-      <p:grpSpPr>
-        <a:xfrm>
-          <a:off x="0" y="0"/>
-          <a:ext cx="0" cy="0"/>
-          <a:chOff x="0" y="0"/>
-          <a:chExt cx="0" cy="0"/>
-        </a:xfrm>
-      </p:grpSpPr>
-      <p:sp>
-        <p:nvSpPr>
-          <p:cNvPr id="2" name="제목 1">
-            <a:extLst>
-              <a:ext uri="{FF2B5EF4-FFF2-40B4-BE49-F238E27FC236}">
-                <a16:creationId xmlns:a16="http://schemas.microsoft.com/office/drawing/2014/main" id="{E8C480C6-E9A7-7285-228A-BB4B4D9B5583}"/>
-              </a:ext>
-            </a:extLst>
-          </p:cNvPr>
-          <p:cNvSpPr>
-            <a:spLocks noGrp="1"/>
-          </p:cNvSpPr>
-          <p:nvPr>
-            <p:ph type="title"/>
-          </p:nvPr>
-        </p:nvSpPr>
-        <p:spPr/>
-        <p:txBody>
-          <a:bodyPr/>
-          <a:lstStyle/>
-          <a:p>
-            <a:r>
-              <a:rPr lang="en-US" altLang="ko-KR" dirty="0"/>
-              <a:t>SLALOM</a:t>
-            </a:r>
-            <a:endParaRPr lang="ko-KR" altLang="en-US" dirty="0"/>
-          </a:p>
-        </p:txBody>
-      </p:sp>
-      <p:sp>
-        <p:nvSpPr>
-          <p:cNvPr id="3" name="내용 개체 틀 2">
-            <a:extLst>
-              <a:ext uri="{FF2B5EF4-FFF2-40B4-BE49-F238E27FC236}">
-                <a16:creationId xmlns:a16="http://schemas.microsoft.com/office/drawing/2014/main" id="{9D4E61B7-0873-5101-F6F9-298AAD365405}"/>
-              </a:ext>
-            </a:extLst>
-          </p:cNvPr>
-          <p:cNvSpPr>
-            <a:spLocks noGrp="1"/>
-          </p:cNvSpPr>
-          <p:nvPr>
-            <p:ph idx="1"/>
-          </p:nvPr>
-        </p:nvSpPr>
-        <p:spPr/>
-        <p:txBody>
-          <a:bodyPr/>
-          <a:lstStyle/>
-          <a:p>
-            <a:r>
-              <a:rPr lang="en-US" altLang="ko-KR" dirty="0"/>
-              <a:t>IPG Setting</a:t>
-            </a:r>
-          </a:p>
-          <a:p>
-            <a:pPr lvl="1"/>
-            <a:r>
-              <a:rPr lang="en-US" altLang="ko-KR" dirty="0"/>
-              <a:t>Longitudinal Dynamics: IPGDriver, Speed 50 kph</a:t>
-            </a:r>
-          </a:p>
-          <a:p>
-            <a:pPr lvl="1"/>
-            <a:r>
-              <a:rPr lang="en-US" altLang="ko-KR" dirty="0"/>
-              <a:t>Corner cutting Coefficient: 0.9</a:t>
-            </a:r>
-          </a:p>
-          <a:p>
-            <a:r>
-              <a:rPr lang="en-US" altLang="ko-KR" dirty="0"/>
-              <a:t>Results</a:t>
-            </a:r>
-          </a:p>
-        </p:txBody>
-      </p:sp>
-      <p:pic>
-        <p:nvPicPr>
-          <p:cNvPr id="8" name="그림 7">
-            <a:extLst>
-              <a:ext uri="{FF2B5EF4-FFF2-40B4-BE49-F238E27FC236}">
-                <a16:creationId xmlns:a16="http://schemas.microsoft.com/office/drawing/2014/main" id="{817F770D-0A9D-549D-B429-CD0BE2B2AFBE}"/>
-              </a:ext>
-            </a:extLst>
-          </p:cNvPr>
-          <p:cNvPicPr>
-            <a:picLocks noChangeAspect="1"/>
-          </p:cNvPicPr>
-          <p:nvPr/>
-        </p:nvPicPr>
-        <p:blipFill rotWithShape="1">
-          <a:blip r:embed="rId2"/>
-          <a:srcRect t="71053" r="56997" b="15360"/>
-          <a:stretch/>
-        </p:blipFill>
-        <p:spPr>
-          <a:xfrm>
-            <a:off x="1134092" y="3211585"/>
-            <a:ext cx="6904089" cy="789709"/>
-          </a:xfrm>
-          <a:prstGeom prst="rect">
-            <a:avLst/>
-          </a:prstGeom>
-        </p:spPr>
-      </p:pic>
-      <p:pic>
-        <p:nvPicPr>
-          <p:cNvPr id="9" name="그림 8">
-            <a:extLst>
-              <a:ext uri="{FF2B5EF4-FFF2-40B4-BE49-F238E27FC236}">
-                <a16:creationId xmlns:a16="http://schemas.microsoft.com/office/drawing/2014/main" id="{F75A2058-B03B-8150-85DD-146623C7237A}"/>
-              </a:ext>
-            </a:extLst>
-          </p:cNvPr>
-          <p:cNvPicPr>
-            <a:picLocks noChangeAspect="1"/>
-          </p:cNvPicPr>
-          <p:nvPr/>
-        </p:nvPicPr>
-        <p:blipFill rotWithShape="1">
-          <a:blip r:embed="rId2"/>
-          <a:srcRect t="84910" r="56997" b="7691"/>
-          <a:stretch/>
-        </p:blipFill>
-        <p:spPr>
-          <a:xfrm>
-            <a:off x="1134092" y="4074575"/>
-            <a:ext cx="6937355" cy="432111"/>
-          </a:xfrm>
-          <a:prstGeom prst="rect">
-            <a:avLst/>
-          </a:prstGeom>
-        </p:spPr>
-      </p:pic>
-    </p:spTree>
-    <p:extLst>
-      <p:ext uri="{BB962C8B-B14F-4D97-AF65-F5344CB8AC3E}">
-        <p14:creationId xmlns:p14="http://schemas.microsoft.com/office/powerpoint/2010/main" val="3315283098"/>
-      </p:ext>
-    </p:extLst>
-  </p:cSld>
-  <p:clrMapOvr>
-    <a:masterClrMapping/>
-  </p:clrMapOvr>
-</p:sld>
-</file>
-
-<file path=ppt/slides/slide8.xml><?xml version="1.0" encoding="utf-8"?>
-<p:sld xmlns:a="http://schemas.openxmlformats.org/drawingml/2006/main" xmlns:r="http://schemas.openxmlformats.org/officeDocument/2006/relationships" xmlns:p="http://schemas.openxmlformats.org/presentationml/2006/main">
-  <p:cSld>
-    <p:spTree>
-      <p:nvGrpSpPr>
-        <p:cNvPr id="1" name=""/>
-        <p:cNvGrpSpPr/>
-        <p:nvPr/>
-      </p:nvGrpSpPr>
-      <p:grpSpPr>
-        <a:xfrm>
-          <a:off x="0" y="0"/>
-          <a:ext cx="0" cy="0"/>
-          <a:chOff x="0" y="0"/>
-          <a:chExt cx="0" cy="0"/>
-        </a:xfrm>
-      </p:grpSpPr>
-      <p:sp>
-        <p:nvSpPr>
-          <p:cNvPr id="2" name="제목 1">
-            <a:extLst>
-              <a:ext uri="{FF2B5EF4-FFF2-40B4-BE49-F238E27FC236}">
-                <a16:creationId xmlns:a16="http://schemas.microsoft.com/office/drawing/2014/main" id="{DBA2FE56-B6C3-8C6E-789A-0246DAA04169}"/>
-              </a:ext>
-            </a:extLst>
-          </p:cNvPr>
-          <p:cNvSpPr>
-            <a:spLocks noGrp="1"/>
-          </p:cNvSpPr>
-          <p:nvPr>
-            <p:ph type="title"/>
-          </p:nvPr>
-        </p:nvSpPr>
-        <p:spPr/>
-        <p:txBody>
-          <a:bodyPr/>
-          <a:lstStyle/>
-          <a:p>
-            <a:r>
-              <a:rPr lang="en-US" altLang="ko-KR" dirty="0"/>
-              <a:t>IPG - RL</a:t>
-            </a:r>
-            <a:endParaRPr lang="ko-KR" altLang="en-US" dirty="0"/>
-          </a:p>
-        </p:txBody>
-      </p:sp>
-      <p:pic>
-        <p:nvPicPr>
-          <p:cNvPr id="9" name="내용 개체 틀 8">
-            <a:extLst>
-              <a:ext uri="{FF2B5EF4-FFF2-40B4-BE49-F238E27FC236}">
-                <a16:creationId xmlns:a16="http://schemas.microsoft.com/office/drawing/2014/main" id="{C9F282CF-902B-5D80-1448-11C537B7A70C}"/>
-              </a:ext>
-            </a:extLst>
-          </p:cNvPr>
-          <p:cNvPicPr>
-            <a:picLocks noGrp="1" noChangeAspect="1"/>
-          </p:cNvPicPr>
-          <p:nvPr>
-            <p:ph idx="1"/>
-          </p:nvPr>
-        </p:nvPicPr>
-        <p:blipFill>
-          <a:blip r:embed="rId2"/>
-          <a:stretch>
-            <a:fillRect/>
-          </a:stretch>
-        </p:blipFill>
-        <p:spPr>
-          <a:xfrm>
-            <a:off x="2117634" y="1825625"/>
-            <a:ext cx="7956732" cy="4351338"/>
-          </a:xfrm>
-        </p:spPr>
-      </p:pic>
-    </p:spTree>
-    <p:extLst>
-      <p:ext uri="{BB962C8B-B14F-4D97-AF65-F5344CB8AC3E}">
-        <p14:creationId xmlns:p14="http://schemas.microsoft.com/office/powerpoint/2010/main" val="2176267403"/>
-      </p:ext>
-    </p:extLst>
-  </p:cSld>
-  <p:clrMapOvr>
-    <a:masterClrMapping/>
-  </p:clrMapOvr>
-</p:sld>
-</file>
-
-<file path=ppt/slides/slide9.xml><?xml version="1.0" encoding="utf-8"?>
-<p:sld xmlns:a="http://schemas.openxmlformats.org/drawingml/2006/main" xmlns:r="http://schemas.openxmlformats.org/officeDocument/2006/relationships" xmlns:p="http://schemas.openxmlformats.org/presentationml/2006/main">
-  <p:cSld>
-    <p:spTree>
-      <p:nvGrpSpPr>
-        <p:cNvPr id="1" name=""/>
-        <p:cNvGrpSpPr/>
-        <p:nvPr/>
-      </p:nvGrpSpPr>
-      <p:grpSpPr>
-        <a:xfrm>
-          <a:off x="0" y="0"/>
-          <a:ext cx="0" cy="0"/>
-          <a:chOff x="0" y="0"/>
-          <a:chExt cx="0" cy="0"/>
-        </a:xfrm>
-      </p:grpSpPr>
-      <p:sp>
-        <p:nvSpPr>
-          <p:cNvPr id="2" name="제목 1">
-            <a:extLst>
-              <a:ext uri="{FF2B5EF4-FFF2-40B4-BE49-F238E27FC236}">
-                <a16:creationId xmlns:a16="http://schemas.microsoft.com/office/drawing/2014/main" id="{B9CC86FF-72CA-6CBE-2A7B-FBF7BDB75C77}"/>
-              </a:ext>
-            </a:extLst>
-          </p:cNvPr>
-          <p:cNvSpPr>
-            <a:spLocks noGrp="1"/>
-          </p:cNvSpPr>
-          <p:nvPr>
-            <p:ph type="title"/>
-          </p:nvPr>
-        </p:nvSpPr>
-        <p:spPr/>
-        <p:txBody>
-          <a:bodyPr/>
-          <a:lstStyle/>
-          <a:p>
-            <a:r>
-              <a:rPr lang="en-US" altLang="ko-KR" dirty="0"/>
-              <a:t>IPG - RL</a:t>
-            </a:r>
-            <a:endParaRPr lang="ko-KR" altLang="en-US" dirty="0"/>
-          </a:p>
-        </p:txBody>
-      </p:sp>
-      <p:pic>
-        <p:nvPicPr>
-          <p:cNvPr id="5" name="내용 개체 틀 4">
-            <a:extLst>
-              <a:ext uri="{FF2B5EF4-FFF2-40B4-BE49-F238E27FC236}">
-                <a16:creationId xmlns:a16="http://schemas.microsoft.com/office/drawing/2014/main" id="{175CB466-6D4D-200F-B2E3-CB173CF0EAE1}"/>
-              </a:ext>
-            </a:extLst>
-          </p:cNvPr>
-          <p:cNvPicPr>
-            <a:picLocks noGrp="1" noChangeAspect="1"/>
-          </p:cNvPicPr>
-          <p:nvPr>
-            <p:ph idx="1"/>
-          </p:nvPr>
-        </p:nvPicPr>
-        <p:blipFill>
-          <a:blip r:embed="rId2"/>
-          <a:stretch>
-            <a:fillRect/>
-          </a:stretch>
-        </p:blipFill>
-        <p:spPr>
-          <a:xfrm>
-            <a:off x="2117634" y="1825625"/>
-            <a:ext cx="7956732" cy="4351338"/>
-          </a:xfrm>
-        </p:spPr>
-      </p:pic>
-    </p:spTree>
-    <p:extLst>
-      <p:ext uri="{BB962C8B-B14F-4D97-AF65-F5344CB8AC3E}">
-        <p14:creationId xmlns:p14="http://schemas.microsoft.com/office/powerpoint/2010/main" val="2154061612"/>
+        <p14:creationId xmlns:p14="http://schemas.microsoft.com/office/powerpoint/2010/main" val="1479663846"/>
       </p:ext>
     </p:extLst>
   </p:cSld>
